--- a/11_DT/Decision_Trees_4.28.21.pptx
+++ b/11_DT/Decision_Trees_4.28.21.pptx
@@ -249,7 +249,7 @@
           <a:p>
             <a:fld id="{27160A0F-9B86-4581-85D6-AE4500F6A801}" type="datetimeFigureOut">
               <a:rPr lang="en-US" smtClean="0"/>
-              <a:t>4/27/2021</a:t>
+              <a:t>8/2/2021</a:t>
             </a:fld>
             <a:endParaRPr lang="en-US"/>
           </a:p>
@@ -596,7 +596,7 @@
           <a:p>
             <a:fld id="{27BE458A-CC06-48BE-991B-B3ACDD14B597}" type="datetimeFigureOut">
               <a:rPr lang="en-US" smtClean="0"/>
-              <a:t>4/27/2021</a:t>
+              <a:t>8/2/2021</a:t>
             </a:fld>
             <a:endParaRPr lang="en-US"/>
           </a:p>
@@ -902,14 +902,14 @@
           </a:ln>
           <a:extLst>
             <a:ext uri="{909E8E84-426E-40dd-AFC4-6F175D3DCCD1}">
-              <a14:hiddenFill xmlns="" xmlns:a14="http://schemas.microsoft.com/office/drawing/2010/main">
+              <a14:hiddenFill xmlns:a14="http://schemas.microsoft.com/office/drawing/2010/main" xmlns="">
                 <a:solidFill>
                   <a:srgbClr val="FFFFFF"/>
                 </a:solidFill>
               </a14:hiddenFill>
             </a:ext>
             <a:ext uri="{FAA26D3D-D897-4be2-8F04-BA451C77F1D7}">
-              <ma14:placeholderFlag xmlns="" xmlns:ma14="http://schemas.microsoft.com/office/mac/drawingml/2011/main" val="1"/>
+              <ma14:placeholderFlag xmlns:ma14="http://schemas.microsoft.com/office/mac/drawingml/2011/main" xmlns="" val="1"/>
             </a:ext>
           </a:extLst>
         </p:spPr>
@@ -928,14 +928,14 @@
           <a:noFill/>
           <a:extLst>
             <a:ext uri="{909E8E84-426E-40dd-AFC4-6F175D3DCCD1}">
-              <a14:hiddenFill xmlns="" xmlns:a14="http://schemas.microsoft.com/office/drawing/2010/main">
+              <a14:hiddenFill xmlns:a14="http://schemas.microsoft.com/office/drawing/2010/main" xmlns="">
                 <a:solidFill>
                   <a:srgbClr val="FFFFFF"/>
                 </a:solidFill>
               </a14:hiddenFill>
             </a:ext>
             <a:ext uri="{91240B29-F687-4f45-9708-019B960494DF}">
-              <a14:hiddenLine xmlns="" xmlns:a14="http://schemas.microsoft.com/office/drawing/2010/main" w="9525">
+              <a14:hiddenLine xmlns:a14="http://schemas.microsoft.com/office/drawing/2010/main" xmlns="" w="9525">
                 <a:solidFill>
                   <a:srgbClr val="000000"/>
                 </a:solidFill>
@@ -986,14 +986,14 @@
           <a:noFill/>
           <a:extLst>
             <a:ext uri="{909E8E84-426E-40dd-AFC4-6F175D3DCCD1}">
-              <a14:hiddenFill xmlns="" xmlns:a14="http://schemas.microsoft.com/office/drawing/2010/main">
+              <a14:hiddenFill xmlns:a14="http://schemas.microsoft.com/office/drawing/2010/main" xmlns="">
                 <a:solidFill>
                   <a:srgbClr val="FFFFFF"/>
                 </a:solidFill>
               </a14:hiddenFill>
             </a:ext>
             <a:ext uri="{91240B29-F687-4f45-9708-019B960494DF}">
-              <a14:hiddenLine xmlns="" xmlns:a14="http://schemas.microsoft.com/office/drawing/2010/main" w="9525">
+              <a14:hiddenLine xmlns:a14="http://schemas.microsoft.com/office/drawing/2010/main" xmlns="" w="9525">
                 <a:solidFill>
                   <a:srgbClr val="000000"/>
                 </a:solidFill>
@@ -1270,14 +1270,14 @@
           </a:ln>
           <a:extLst>
             <a:ext uri="{909E8E84-426E-40dd-AFC4-6F175D3DCCD1}">
-              <a14:hiddenFill xmlns="" xmlns:a14="http://schemas.microsoft.com/office/drawing/2010/main">
+              <a14:hiddenFill xmlns:a14="http://schemas.microsoft.com/office/drawing/2010/main" xmlns="">
                 <a:solidFill>
                   <a:srgbClr val="FFFFFF"/>
                 </a:solidFill>
               </a14:hiddenFill>
             </a:ext>
             <a:ext uri="{FAA26D3D-D897-4be2-8F04-BA451C77F1D7}">
-              <ma14:placeholderFlag xmlns="" xmlns:ma14="http://schemas.microsoft.com/office/mac/drawingml/2011/main" val="1"/>
+              <ma14:placeholderFlag xmlns:ma14="http://schemas.microsoft.com/office/mac/drawingml/2011/main" xmlns="" val="1"/>
             </a:ext>
           </a:extLst>
         </p:spPr>
@@ -1296,14 +1296,14 @@
           <a:noFill/>
           <a:extLst>
             <a:ext uri="{909E8E84-426E-40dd-AFC4-6F175D3DCCD1}">
-              <a14:hiddenFill xmlns="" xmlns:a14="http://schemas.microsoft.com/office/drawing/2010/main">
+              <a14:hiddenFill xmlns:a14="http://schemas.microsoft.com/office/drawing/2010/main" xmlns="">
                 <a:solidFill>
                   <a:srgbClr val="FFFFFF"/>
                 </a:solidFill>
               </a14:hiddenFill>
             </a:ext>
             <a:ext uri="{91240B29-F687-4f45-9708-019B960494DF}">
-              <a14:hiddenLine xmlns="" xmlns:a14="http://schemas.microsoft.com/office/drawing/2010/main" w="9525">
+              <a14:hiddenLine xmlns:a14="http://schemas.microsoft.com/office/drawing/2010/main" xmlns="" w="9525">
                 <a:solidFill>
                   <a:srgbClr val="000000"/>
                 </a:solidFill>
@@ -1347,14 +1347,14 @@
           <a:noFill/>
           <a:extLst>
             <a:ext uri="{909E8E84-426E-40dd-AFC4-6F175D3DCCD1}">
-              <a14:hiddenFill xmlns="" xmlns:a14="http://schemas.microsoft.com/office/drawing/2010/main">
+              <a14:hiddenFill xmlns:a14="http://schemas.microsoft.com/office/drawing/2010/main" xmlns="">
                 <a:solidFill>
                   <a:srgbClr val="FFFFFF"/>
                 </a:solidFill>
               </a14:hiddenFill>
             </a:ext>
             <a:ext uri="{91240B29-F687-4f45-9708-019B960494DF}">
-              <a14:hiddenLine xmlns="" xmlns:a14="http://schemas.microsoft.com/office/drawing/2010/main" w="9525">
+              <a14:hiddenLine xmlns:a14="http://schemas.microsoft.com/office/drawing/2010/main" xmlns="" w="9525">
                 <a:solidFill>
                   <a:srgbClr val="000000"/>
                 </a:solidFill>
@@ -1546,14 +1546,14 @@
           </a:ln>
           <a:extLst>
             <a:ext uri="{909E8E84-426E-40dd-AFC4-6F175D3DCCD1}">
-              <a14:hiddenFill xmlns="" xmlns:a14="http://schemas.microsoft.com/office/drawing/2010/main">
+              <a14:hiddenFill xmlns:a14="http://schemas.microsoft.com/office/drawing/2010/main" xmlns="">
                 <a:solidFill>
                   <a:srgbClr val="FFFFFF"/>
                 </a:solidFill>
               </a14:hiddenFill>
             </a:ext>
             <a:ext uri="{FAA26D3D-D897-4be2-8F04-BA451C77F1D7}">
-              <ma14:placeholderFlag xmlns="" xmlns:ma14="http://schemas.microsoft.com/office/mac/drawingml/2011/main" val="1"/>
+              <ma14:placeholderFlag xmlns:ma14="http://schemas.microsoft.com/office/mac/drawingml/2011/main" xmlns="" val="1"/>
             </a:ext>
           </a:extLst>
         </p:spPr>
@@ -1572,14 +1572,14 @@
           <a:noFill/>
           <a:extLst>
             <a:ext uri="{909E8E84-426E-40dd-AFC4-6F175D3DCCD1}">
-              <a14:hiddenFill xmlns="" xmlns:a14="http://schemas.microsoft.com/office/drawing/2010/main">
+              <a14:hiddenFill xmlns:a14="http://schemas.microsoft.com/office/drawing/2010/main" xmlns="">
                 <a:solidFill>
                   <a:srgbClr val="FFFFFF"/>
                 </a:solidFill>
               </a14:hiddenFill>
             </a:ext>
             <a:ext uri="{91240B29-F687-4f45-9708-019B960494DF}">
-              <a14:hiddenLine xmlns="" xmlns:a14="http://schemas.microsoft.com/office/drawing/2010/main" w="9525">
+              <a14:hiddenLine xmlns:a14="http://schemas.microsoft.com/office/drawing/2010/main" xmlns="" w="9525">
                 <a:solidFill>
                   <a:srgbClr val="000000"/>
                 </a:solidFill>
@@ -1635,14 +1635,14 @@
           <a:noFill/>
           <a:extLst>
             <a:ext uri="{909E8E84-426E-40dd-AFC4-6F175D3DCCD1}">
-              <a14:hiddenFill xmlns="" xmlns:a14="http://schemas.microsoft.com/office/drawing/2010/main">
+              <a14:hiddenFill xmlns:a14="http://schemas.microsoft.com/office/drawing/2010/main" xmlns="">
                 <a:solidFill>
                   <a:srgbClr val="FFFFFF"/>
                 </a:solidFill>
               </a14:hiddenFill>
             </a:ext>
             <a:ext uri="{91240B29-F687-4f45-9708-019B960494DF}">
-              <a14:hiddenLine xmlns="" xmlns:a14="http://schemas.microsoft.com/office/drawing/2010/main" w="9525">
+              <a14:hiddenLine xmlns:a14="http://schemas.microsoft.com/office/drawing/2010/main" xmlns="" w="9525">
                 <a:solidFill>
                   <a:srgbClr val="000000"/>
                 </a:solidFill>
@@ -1834,14 +1834,14 @@
           </a:ln>
           <a:extLst>
             <a:ext uri="{909E8E84-426E-40dd-AFC4-6F175D3DCCD1}">
-              <a14:hiddenFill xmlns="" xmlns:a14="http://schemas.microsoft.com/office/drawing/2010/main">
+              <a14:hiddenFill xmlns:a14="http://schemas.microsoft.com/office/drawing/2010/main" xmlns="">
                 <a:solidFill>
                   <a:srgbClr val="FFFFFF"/>
                 </a:solidFill>
               </a14:hiddenFill>
             </a:ext>
             <a:ext uri="{FAA26D3D-D897-4be2-8F04-BA451C77F1D7}">
-              <ma14:placeholderFlag xmlns="" xmlns:ma14="http://schemas.microsoft.com/office/mac/drawingml/2011/main" val="1"/>
+              <ma14:placeholderFlag xmlns:ma14="http://schemas.microsoft.com/office/mac/drawingml/2011/main" xmlns="" val="1"/>
             </a:ext>
           </a:extLst>
         </p:spPr>
@@ -1860,14 +1860,14 @@
           <a:noFill/>
           <a:extLst>
             <a:ext uri="{909E8E84-426E-40dd-AFC4-6F175D3DCCD1}">
-              <a14:hiddenFill xmlns="" xmlns:a14="http://schemas.microsoft.com/office/drawing/2010/main">
+              <a14:hiddenFill xmlns:a14="http://schemas.microsoft.com/office/drawing/2010/main" xmlns="">
                 <a:solidFill>
                   <a:srgbClr val="FFFFFF"/>
                 </a:solidFill>
               </a14:hiddenFill>
             </a:ext>
             <a:ext uri="{91240B29-F687-4f45-9708-019B960494DF}">
-              <a14:hiddenLine xmlns="" xmlns:a14="http://schemas.microsoft.com/office/drawing/2010/main" w="9525">
+              <a14:hiddenLine xmlns:a14="http://schemas.microsoft.com/office/drawing/2010/main" xmlns="" w="9525">
                 <a:solidFill>
                   <a:srgbClr val="000000"/>
                 </a:solidFill>
@@ -1929,14 +1929,14 @@
           <a:noFill/>
           <a:extLst>
             <a:ext uri="{909E8E84-426E-40dd-AFC4-6F175D3DCCD1}">
-              <a14:hiddenFill xmlns="" xmlns:a14="http://schemas.microsoft.com/office/drawing/2010/main">
+              <a14:hiddenFill xmlns:a14="http://schemas.microsoft.com/office/drawing/2010/main" xmlns="">
                 <a:solidFill>
                   <a:srgbClr val="FFFFFF"/>
                 </a:solidFill>
               </a14:hiddenFill>
             </a:ext>
             <a:ext uri="{91240B29-F687-4f45-9708-019B960494DF}">
-              <a14:hiddenLine xmlns="" xmlns:a14="http://schemas.microsoft.com/office/drawing/2010/main" w="9525">
+              <a14:hiddenLine xmlns:a14="http://schemas.microsoft.com/office/drawing/2010/main" xmlns="" w="9525">
                 <a:solidFill>
                   <a:srgbClr val="000000"/>
                 </a:solidFill>
@@ -2128,14 +2128,14 @@
           </a:ln>
           <a:extLst>
             <a:ext uri="{909E8E84-426E-40dd-AFC4-6F175D3DCCD1}">
-              <a14:hiddenFill xmlns="" xmlns:a14="http://schemas.microsoft.com/office/drawing/2010/main">
+              <a14:hiddenFill xmlns:a14="http://schemas.microsoft.com/office/drawing/2010/main" xmlns="">
                 <a:solidFill>
                   <a:srgbClr val="FFFFFF"/>
                 </a:solidFill>
               </a14:hiddenFill>
             </a:ext>
             <a:ext uri="{FAA26D3D-D897-4be2-8F04-BA451C77F1D7}">
-              <ma14:placeholderFlag xmlns="" xmlns:ma14="http://schemas.microsoft.com/office/mac/drawingml/2011/main" val="1"/>
+              <ma14:placeholderFlag xmlns:ma14="http://schemas.microsoft.com/office/mac/drawingml/2011/main" xmlns="" val="1"/>
             </a:ext>
           </a:extLst>
         </p:spPr>
@@ -2154,14 +2154,14 @@
           <a:noFill/>
           <a:extLst>
             <a:ext uri="{909E8E84-426E-40dd-AFC4-6F175D3DCCD1}">
-              <a14:hiddenFill xmlns="" xmlns:a14="http://schemas.microsoft.com/office/drawing/2010/main">
+              <a14:hiddenFill xmlns:a14="http://schemas.microsoft.com/office/drawing/2010/main" xmlns="">
                 <a:solidFill>
                   <a:srgbClr val="FFFFFF"/>
                 </a:solidFill>
               </a14:hiddenFill>
             </a:ext>
             <a:ext uri="{91240B29-F687-4f45-9708-019B960494DF}">
-              <a14:hiddenLine xmlns="" xmlns:a14="http://schemas.microsoft.com/office/drawing/2010/main" w="9525">
+              <a14:hiddenLine xmlns:a14="http://schemas.microsoft.com/office/drawing/2010/main" xmlns="" w="9525">
                 <a:solidFill>
                   <a:srgbClr val="000000"/>
                 </a:solidFill>
@@ -2205,14 +2205,14 @@
           <a:noFill/>
           <a:extLst>
             <a:ext uri="{909E8E84-426E-40dd-AFC4-6F175D3DCCD1}">
-              <a14:hiddenFill xmlns="" xmlns:a14="http://schemas.microsoft.com/office/drawing/2010/main">
+              <a14:hiddenFill xmlns:a14="http://schemas.microsoft.com/office/drawing/2010/main" xmlns="">
                 <a:solidFill>
                   <a:srgbClr val="FFFFFF"/>
                 </a:solidFill>
               </a14:hiddenFill>
             </a:ext>
             <a:ext uri="{91240B29-F687-4f45-9708-019B960494DF}">
-              <a14:hiddenLine xmlns="" xmlns:a14="http://schemas.microsoft.com/office/drawing/2010/main" w="9525">
+              <a14:hiddenLine xmlns:a14="http://schemas.microsoft.com/office/drawing/2010/main" xmlns="" w="9525">
                 <a:solidFill>
                   <a:srgbClr val="000000"/>
                 </a:solidFill>
@@ -2404,14 +2404,14 @@
           </a:ln>
           <a:extLst>
             <a:ext uri="{909E8E84-426E-40dd-AFC4-6F175D3DCCD1}">
-              <a14:hiddenFill xmlns="" xmlns:a14="http://schemas.microsoft.com/office/drawing/2010/main">
+              <a14:hiddenFill xmlns:a14="http://schemas.microsoft.com/office/drawing/2010/main" xmlns="">
                 <a:solidFill>
                   <a:srgbClr val="FFFFFF"/>
                 </a:solidFill>
               </a14:hiddenFill>
             </a:ext>
             <a:ext uri="{FAA26D3D-D897-4be2-8F04-BA451C77F1D7}">
-              <ma14:placeholderFlag xmlns="" xmlns:ma14="http://schemas.microsoft.com/office/mac/drawingml/2011/main" val="1"/>
+              <ma14:placeholderFlag xmlns:ma14="http://schemas.microsoft.com/office/mac/drawingml/2011/main" xmlns="" val="1"/>
             </a:ext>
           </a:extLst>
         </p:spPr>
@@ -2430,14 +2430,14 @@
           <a:noFill/>
           <a:extLst>
             <a:ext uri="{909E8E84-426E-40dd-AFC4-6F175D3DCCD1}">
-              <a14:hiddenFill xmlns="" xmlns:a14="http://schemas.microsoft.com/office/drawing/2010/main">
+              <a14:hiddenFill xmlns:a14="http://schemas.microsoft.com/office/drawing/2010/main" xmlns="">
                 <a:solidFill>
                   <a:srgbClr val="FFFFFF"/>
                 </a:solidFill>
               </a14:hiddenFill>
             </a:ext>
             <a:ext uri="{91240B29-F687-4f45-9708-019B960494DF}">
-              <a14:hiddenLine xmlns="" xmlns:a14="http://schemas.microsoft.com/office/drawing/2010/main" w="9525">
+              <a14:hiddenLine xmlns:a14="http://schemas.microsoft.com/office/drawing/2010/main" xmlns="" w="9525">
                 <a:solidFill>
                   <a:srgbClr val="000000"/>
                 </a:solidFill>
@@ -2492,14 +2492,14 @@
           <a:noFill/>
           <a:extLst>
             <a:ext uri="{909E8E84-426E-40dd-AFC4-6F175D3DCCD1}">
-              <a14:hiddenFill xmlns="" xmlns:a14="http://schemas.microsoft.com/office/drawing/2010/main">
+              <a14:hiddenFill xmlns:a14="http://schemas.microsoft.com/office/drawing/2010/main" xmlns="">
                 <a:solidFill>
                   <a:srgbClr val="FFFFFF"/>
                 </a:solidFill>
               </a14:hiddenFill>
             </a:ext>
             <a:ext uri="{91240B29-F687-4f45-9708-019B960494DF}">
-              <a14:hiddenLine xmlns="" xmlns:a14="http://schemas.microsoft.com/office/drawing/2010/main" w="9525">
+              <a14:hiddenLine xmlns:a14="http://schemas.microsoft.com/office/drawing/2010/main" xmlns="" w="9525">
                 <a:solidFill>
                   <a:srgbClr val="000000"/>
                 </a:solidFill>
@@ -2691,14 +2691,14 @@
           </a:ln>
           <a:extLst>
             <a:ext uri="{909E8E84-426E-40dd-AFC4-6F175D3DCCD1}">
-              <a14:hiddenFill xmlns="" xmlns:a14="http://schemas.microsoft.com/office/drawing/2010/main">
+              <a14:hiddenFill xmlns:a14="http://schemas.microsoft.com/office/drawing/2010/main" xmlns="">
                 <a:solidFill>
                   <a:srgbClr val="FFFFFF"/>
                 </a:solidFill>
               </a14:hiddenFill>
             </a:ext>
             <a:ext uri="{FAA26D3D-D897-4be2-8F04-BA451C77F1D7}">
-              <ma14:placeholderFlag xmlns="" xmlns:ma14="http://schemas.microsoft.com/office/mac/drawingml/2011/main" val="1"/>
+              <ma14:placeholderFlag xmlns:ma14="http://schemas.microsoft.com/office/mac/drawingml/2011/main" xmlns="" val="1"/>
             </a:ext>
           </a:extLst>
         </p:spPr>
@@ -2717,14 +2717,14 @@
           <a:noFill/>
           <a:extLst>
             <a:ext uri="{909E8E84-426E-40dd-AFC4-6F175D3DCCD1}">
-              <a14:hiddenFill xmlns="" xmlns:a14="http://schemas.microsoft.com/office/drawing/2010/main">
+              <a14:hiddenFill xmlns:a14="http://schemas.microsoft.com/office/drawing/2010/main" xmlns="">
                 <a:solidFill>
                   <a:srgbClr val="FFFFFF"/>
                 </a:solidFill>
               </a14:hiddenFill>
             </a:ext>
             <a:ext uri="{91240B29-F687-4f45-9708-019B960494DF}">
-              <a14:hiddenLine xmlns="" xmlns:a14="http://schemas.microsoft.com/office/drawing/2010/main" w="9525">
+              <a14:hiddenLine xmlns:a14="http://schemas.microsoft.com/office/drawing/2010/main" xmlns="" w="9525">
                 <a:solidFill>
                   <a:srgbClr val="000000"/>
                 </a:solidFill>
@@ -2780,14 +2780,14 @@
           <a:noFill/>
           <a:extLst>
             <a:ext uri="{909E8E84-426E-40dd-AFC4-6F175D3DCCD1}">
-              <a14:hiddenFill xmlns="" xmlns:a14="http://schemas.microsoft.com/office/drawing/2010/main">
+              <a14:hiddenFill xmlns:a14="http://schemas.microsoft.com/office/drawing/2010/main" xmlns="">
                 <a:solidFill>
                   <a:srgbClr val="FFFFFF"/>
                 </a:solidFill>
               </a14:hiddenFill>
             </a:ext>
             <a:ext uri="{91240B29-F687-4f45-9708-019B960494DF}">
-              <a14:hiddenLine xmlns="" xmlns:a14="http://schemas.microsoft.com/office/drawing/2010/main" w="9525">
+              <a14:hiddenLine xmlns:a14="http://schemas.microsoft.com/office/drawing/2010/main" xmlns="" w="9525">
                 <a:solidFill>
                   <a:srgbClr val="000000"/>
                 </a:solidFill>
@@ -3079,14 +3079,14 @@
           </a:ln>
           <a:extLst>
             <a:ext uri="{909E8E84-426E-40dd-AFC4-6F175D3DCCD1}">
-              <a14:hiddenFill xmlns="" xmlns:a14="http://schemas.microsoft.com/office/drawing/2010/main">
+              <a14:hiddenFill xmlns:a14="http://schemas.microsoft.com/office/drawing/2010/main" xmlns="">
                 <a:solidFill>
                   <a:srgbClr val="FFFFFF"/>
                 </a:solidFill>
               </a14:hiddenFill>
             </a:ext>
             <a:ext uri="{FAA26D3D-D897-4be2-8F04-BA451C77F1D7}">
-              <ma14:placeholderFlag xmlns="" xmlns:ma14="http://schemas.microsoft.com/office/mac/drawingml/2011/main" val="1"/>
+              <ma14:placeholderFlag xmlns:ma14="http://schemas.microsoft.com/office/mac/drawingml/2011/main" xmlns="" val="1"/>
             </a:ext>
           </a:extLst>
         </p:spPr>
@@ -3105,14 +3105,14 @@
           <a:noFill/>
           <a:extLst>
             <a:ext uri="{909E8E84-426E-40dd-AFC4-6F175D3DCCD1}">
-              <a14:hiddenFill xmlns="" xmlns:a14="http://schemas.microsoft.com/office/drawing/2010/main">
+              <a14:hiddenFill xmlns:a14="http://schemas.microsoft.com/office/drawing/2010/main" xmlns="">
                 <a:solidFill>
                   <a:srgbClr val="FFFFFF"/>
                 </a:solidFill>
               </a14:hiddenFill>
             </a:ext>
             <a:ext uri="{91240B29-F687-4f45-9708-019B960494DF}">
-              <a14:hiddenLine xmlns="" xmlns:a14="http://schemas.microsoft.com/office/drawing/2010/main" w="9525">
+              <a14:hiddenLine xmlns:a14="http://schemas.microsoft.com/office/drawing/2010/main" xmlns="" w="9525">
                 <a:solidFill>
                   <a:srgbClr val="000000"/>
                 </a:solidFill>
@@ -3174,14 +3174,14 @@
           <a:noFill/>
           <a:extLst>
             <a:ext uri="{909E8E84-426E-40dd-AFC4-6F175D3DCCD1}">
-              <a14:hiddenFill xmlns="" xmlns:a14="http://schemas.microsoft.com/office/drawing/2010/main">
+              <a14:hiddenFill xmlns:a14="http://schemas.microsoft.com/office/drawing/2010/main" xmlns="">
                 <a:solidFill>
                   <a:srgbClr val="FFFFFF"/>
                 </a:solidFill>
               </a14:hiddenFill>
             </a:ext>
             <a:ext uri="{91240B29-F687-4f45-9708-019B960494DF}">
-              <a14:hiddenLine xmlns="" xmlns:a14="http://schemas.microsoft.com/office/drawing/2010/main" w="9525">
+              <a14:hiddenLine xmlns:a14="http://schemas.microsoft.com/office/drawing/2010/main" xmlns="" w="9525">
                 <a:solidFill>
                   <a:srgbClr val="000000"/>
                 </a:solidFill>
@@ -3373,14 +3373,14 @@
           </a:ln>
           <a:extLst>
             <a:ext uri="{909E8E84-426E-40dd-AFC4-6F175D3DCCD1}">
-              <a14:hiddenFill xmlns="" xmlns:a14="http://schemas.microsoft.com/office/drawing/2010/main">
+              <a14:hiddenFill xmlns:a14="http://schemas.microsoft.com/office/drawing/2010/main" xmlns="">
                 <a:solidFill>
                   <a:srgbClr val="FFFFFF"/>
                 </a:solidFill>
               </a14:hiddenFill>
             </a:ext>
             <a:ext uri="{FAA26D3D-D897-4be2-8F04-BA451C77F1D7}">
-              <ma14:placeholderFlag xmlns="" xmlns:ma14="http://schemas.microsoft.com/office/mac/drawingml/2011/main" val="1"/>
+              <ma14:placeholderFlag xmlns:ma14="http://schemas.microsoft.com/office/mac/drawingml/2011/main" xmlns="" val="1"/>
             </a:ext>
           </a:extLst>
         </p:spPr>
@@ -3399,14 +3399,14 @@
           <a:noFill/>
           <a:extLst>
             <a:ext uri="{909E8E84-426E-40dd-AFC4-6F175D3DCCD1}">
-              <a14:hiddenFill xmlns="" xmlns:a14="http://schemas.microsoft.com/office/drawing/2010/main">
+              <a14:hiddenFill xmlns:a14="http://schemas.microsoft.com/office/drawing/2010/main" xmlns="">
                 <a:solidFill>
                   <a:srgbClr val="FFFFFF"/>
                 </a:solidFill>
               </a14:hiddenFill>
             </a:ext>
             <a:ext uri="{91240B29-F687-4f45-9708-019B960494DF}">
-              <a14:hiddenLine xmlns="" xmlns:a14="http://schemas.microsoft.com/office/drawing/2010/main" w="9525">
+              <a14:hiddenLine xmlns:a14="http://schemas.microsoft.com/office/drawing/2010/main" xmlns="" w="9525">
                 <a:solidFill>
                   <a:srgbClr val="000000"/>
                 </a:solidFill>
@@ -3468,14 +3468,14 @@
           <a:noFill/>
           <a:extLst>
             <a:ext uri="{909E8E84-426E-40dd-AFC4-6F175D3DCCD1}">
-              <a14:hiddenFill xmlns="" xmlns:a14="http://schemas.microsoft.com/office/drawing/2010/main">
+              <a14:hiddenFill xmlns:a14="http://schemas.microsoft.com/office/drawing/2010/main" xmlns="">
                 <a:solidFill>
                   <a:srgbClr val="FFFFFF"/>
                 </a:solidFill>
               </a14:hiddenFill>
             </a:ext>
             <a:ext uri="{91240B29-F687-4f45-9708-019B960494DF}">
-              <a14:hiddenLine xmlns="" xmlns:a14="http://schemas.microsoft.com/office/drawing/2010/main" w="9525">
+              <a14:hiddenLine xmlns:a14="http://schemas.microsoft.com/office/drawing/2010/main" xmlns="" w="9525">
                 <a:solidFill>
                   <a:srgbClr val="000000"/>
                 </a:solidFill>
@@ -3667,14 +3667,14 @@
           </a:ln>
           <a:extLst>
             <a:ext uri="{909E8E84-426E-40dd-AFC4-6F175D3DCCD1}">
-              <a14:hiddenFill xmlns="" xmlns:a14="http://schemas.microsoft.com/office/drawing/2010/main">
+              <a14:hiddenFill xmlns:a14="http://schemas.microsoft.com/office/drawing/2010/main" xmlns="">
                 <a:solidFill>
                   <a:srgbClr val="FFFFFF"/>
                 </a:solidFill>
               </a14:hiddenFill>
             </a:ext>
             <a:ext uri="{FAA26D3D-D897-4be2-8F04-BA451C77F1D7}">
-              <ma14:placeholderFlag xmlns="" xmlns:ma14="http://schemas.microsoft.com/office/mac/drawingml/2011/main" val="1"/>
+              <ma14:placeholderFlag xmlns:ma14="http://schemas.microsoft.com/office/mac/drawingml/2011/main" xmlns="" val="1"/>
             </a:ext>
           </a:extLst>
         </p:spPr>
@@ -3693,14 +3693,14 @@
           <a:noFill/>
           <a:extLst>
             <a:ext uri="{909E8E84-426E-40dd-AFC4-6F175D3DCCD1}">
-              <a14:hiddenFill xmlns="" xmlns:a14="http://schemas.microsoft.com/office/drawing/2010/main">
+              <a14:hiddenFill xmlns:a14="http://schemas.microsoft.com/office/drawing/2010/main" xmlns="">
                 <a:solidFill>
                   <a:srgbClr val="FFFFFF"/>
                 </a:solidFill>
               </a14:hiddenFill>
             </a:ext>
             <a:ext uri="{91240B29-F687-4f45-9708-019B960494DF}">
-              <a14:hiddenLine xmlns="" xmlns:a14="http://schemas.microsoft.com/office/drawing/2010/main" w="9525">
+              <a14:hiddenLine xmlns:a14="http://schemas.microsoft.com/office/drawing/2010/main" xmlns="" w="9525">
                 <a:solidFill>
                   <a:srgbClr val="000000"/>
                 </a:solidFill>
@@ -3762,14 +3762,14 @@
           <a:noFill/>
           <a:extLst>
             <a:ext uri="{909E8E84-426E-40dd-AFC4-6F175D3DCCD1}">
-              <a14:hiddenFill xmlns="" xmlns:a14="http://schemas.microsoft.com/office/drawing/2010/main">
+              <a14:hiddenFill xmlns:a14="http://schemas.microsoft.com/office/drawing/2010/main" xmlns="">
                 <a:solidFill>
                   <a:srgbClr val="FFFFFF"/>
                 </a:solidFill>
               </a14:hiddenFill>
             </a:ext>
             <a:ext uri="{91240B29-F687-4f45-9708-019B960494DF}">
-              <a14:hiddenLine xmlns="" xmlns:a14="http://schemas.microsoft.com/office/drawing/2010/main" w="9525">
+              <a14:hiddenLine xmlns:a14="http://schemas.microsoft.com/office/drawing/2010/main" xmlns="" w="9525">
                 <a:solidFill>
                   <a:srgbClr val="000000"/>
                 </a:solidFill>
@@ -4496,7 +4496,7 @@
           <a:p>
             <a:fld id="{04C01D68-98F0-4413-A543-950947CC53F4}" type="datetime1">
               <a:rPr lang="en-US" smtClean="0"/>
-              <a:t>4/27/2021</a:t>
+              <a:t>8/2/2021</a:t>
             </a:fld>
             <a:endParaRPr lang="en-US"/>
           </a:p>
@@ -4653,7 +4653,7 @@
           <a:p>
             <a:fld id="{F5166586-FB24-4278-9591-82C4BBCDCA89}" type="datetime1">
               <a:rPr lang="en-US" smtClean="0"/>
-              <a:t>4/27/2021</a:t>
+              <a:t>8/2/2021</a:t>
             </a:fld>
             <a:endParaRPr lang="en-US"/>
           </a:p>
@@ -4847,7 +4847,7 @@
           <a:p>
             <a:fld id="{D5A5CA0D-3537-42D6-B0CE-3FBC0D012150}" type="datetime1">
               <a:rPr lang="en-US" smtClean="0"/>
-              <a:t>4/27/2021</a:t>
+              <a:t>8/2/2021</a:t>
             </a:fld>
             <a:endParaRPr lang="en-US"/>
           </a:p>
@@ -5330,7 +5330,7 @@
           <a:p>
             <a:fld id="{FDB3EDF1-F613-4DA2-A80A-754A6940B2FC}" type="datetime1">
               <a:rPr lang="en-US" smtClean="0"/>
-              <a:t>4/27/2021</a:t>
+              <a:t>8/2/2021</a:t>
             </a:fld>
             <a:endParaRPr lang="en-US"/>
           </a:p>
@@ -5575,7 +5575,7 @@
           <a:p>
             <a:fld id="{FD3B0033-72B4-4535-88FF-3AD028C99723}" type="datetime1">
               <a:rPr lang="en-US" smtClean="0"/>
-              <a:t>4/27/2021</a:t>
+              <a:t>8/2/2021</a:t>
             </a:fld>
             <a:endParaRPr lang="en-US"/>
           </a:p>
@@ -5955,7 +5955,7 @@
           <a:p>
             <a:fld id="{96B2EC89-E834-484E-B15B-8A782CBE7E42}" type="datetime1">
               <a:rPr lang="en-US" smtClean="0"/>
-              <a:t>4/27/2021</a:t>
+              <a:t>8/2/2021</a:t>
             </a:fld>
             <a:endParaRPr lang="en-US"/>
           </a:p>
@@ -6088,7 +6088,7 @@
           <a:p>
             <a:fld id="{B0BFDB64-FBD6-4851-B5A5-2376FDD55407}" type="datetime1">
               <a:rPr lang="en-US" smtClean="0"/>
-              <a:t>4/27/2021</a:t>
+              <a:t>8/2/2021</a:t>
             </a:fld>
             <a:endParaRPr lang="en-US"/>
           </a:p>
@@ -6199,7 +6199,7 @@
           <a:p>
             <a:fld id="{A796691A-4010-4E41-AAA5-8BA8423BEAFA}" type="datetime1">
               <a:rPr lang="en-US" smtClean="0"/>
-              <a:t>4/27/2021</a:t>
+              <a:t>8/2/2021</a:t>
             </a:fld>
             <a:endParaRPr lang="en-US"/>
           </a:p>
@@ -6490,7 +6490,7 @@
           <a:p>
             <a:fld id="{19A26292-8CED-46F0-BBB1-1BA0D2A33D09}" type="datetime1">
               <a:rPr lang="en-US" smtClean="0"/>
-              <a:t>4/27/2021</a:t>
+              <a:t>8/2/2021</a:t>
             </a:fld>
             <a:endParaRPr lang="en-US"/>
           </a:p>
@@ -6758,7 +6758,7 @@
           <a:p>
             <a:fld id="{961AD9AB-7BFD-44AF-B1FE-05602162B8C3}" type="datetime1">
               <a:rPr lang="en-US" smtClean="0"/>
-              <a:t>4/27/2021</a:t>
+              <a:t>8/2/2021</a:t>
             </a:fld>
             <a:endParaRPr lang="en-US"/>
           </a:p>
@@ -6985,7 +6985,7 @@
           <a:p>
             <a:fld id="{475570EF-A0EC-4C7C-9082-FFE56C4913AF}" type="datetime1">
               <a:rPr lang="en-US" smtClean="0"/>
-              <a:t>4/27/2021</a:t>
+              <a:t>8/2/2021</a:t>
             </a:fld>
             <a:endParaRPr lang="en-US"/>
           </a:p>
@@ -9402,8 +9402,13 @@
             <a:pPr lvl="1"/>
             <a:r>
               <a:rPr lang="en-US" dirty="0"/>
-              <a:t> CART – Gini Index – Binary Trees</a:t>
-            </a:r>
+              <a:t> CART – Gini Index – Binary Trees – 10-fold </a:t>
+            </a:r>
+            <a:r>
+              <a:rPr lang="en-US"/>
+              <a:t>cross validation </a:t>
+            </a:r>
+            <a:endParaRPr lang="en-US" dirty="0"/>
           </a:p>
           <a:p>
             <a:pPr lvl="1"/>
@@ -9416,7 +9421,15 @@
             <a:pPr lvl="1"/>
             <a:r>
               <a:rPr lang="en-US" dirty="0"/>
-              <a:t> C4.5 – Gains Ratio – Introduced pruning </a:t>
+              <a:t> C4.5 – Gains Ratio  – Introduced pruning (</a:t>
+            </a:r>
+            <a:r>
+              <a:rPr lang="en-US" dirty="0" err="1"/>
+              <a:t>Entrophy</a:t>
+            </a:r>
+            <a:r>
+              <a:rPr lang="en-US" dirty="0"/>
+              <a:t>)</a:t>
             </a:r>
           </a:p>
           <a:p>
@@ -15669,7 +15682,7 @@
           <a:effectLst/>
           <a:extLst>
             <a:ext uri="{909E8E84-426E-40dd-AFC4-6F175D3DCCD1}">
-              <a14:hiddenFill xmlns="" xmlns:a14="http://schemas.microsoft.com/office/drawing/2010/main">
+              <a14:hiddenFill xmlns:a14="http://schemas.microsoft.com/office/drawing/2010/main" xmlns="">
                 <a:noFill/>
               </a14:hiddenFill>
             </a:ext>
@@ -15706,7 +15719,7 @@
           <a:effectLst/>
           <a:extLst>
             <a:ext uri="{909E8E84-426E-40dd-AFC4-6F175D3DCCD1}">
-              <a14:hiddenFill xmlns="" xmlns:a14="http://schemas.microsoft.com/office/drawing/2010/main">
+              <a14:hiddenFill xmlns:a14="http://schemas.microsoft.com/office/drawing/2010/main" xmlns="">
                 <a:noFill/>
               </a14:hiddenFill>
             </a:ext>
@@ -15735,14 +15748,14 @@
           </a:ln>
           <a:extLst>
             <a:ext uri="{909E8E84-426E-40dd-AFC4-6F175D3DCCD1}">
-              <a14:hiddenFill xmlns="" xmlns:a14="http://schemas.microsoft.com/office/drawing/2010/main">
+              <a14:hiddenFill xmlns:a14="http://schemas.microsoft.com/office/drawing/2010/main" xmlns="">
                 <a:solidFill>
                   <a:srgbClr val="FFFFFF"/>
                 </a:solidFill>
               </a14:hiddenFill>
             </a:ext>
             <a:ext uri="{91240B29-F687-4f45-9708-019B960494DF}">
-              <a14:hiddenLine xmlns="" xmlns:a14="http://schemas.microsoft.com/office/drawing/2010/main" w="9525">
+              <a14:hiddenLine xmlns:a14="http://schemas.microsoft.com/office/drawing/2010/main" xmlns="" w="9525">
                 <a:solidFill>
                   <a:srgbClr val="000000"/>
                 </a:solidFill>
@@ -15908,14 +15921,14 @@
           </a:ln>
           <a:extLst>
             <a:ext uri="{909E8E84-426E-40dd-AFC4-6F175D3DCCD1}">
-              <a14:hiddenFill xmlns="" xmlns:a14="http://schemas.microsoft.com/office/drawing/2010/main">
+              <a14:hiddenFill xmlns:a14="http://schemas.microsoft.com/office/drawing/2010/main" xmlns="">
                 <a:solidFill>
                   <a:srgbClr val="FFFFFF"/>
                 </a:solidFill>
               </a14:hiddenFill>
             </a:ext>
             <a:ext uri="{91240B29-F687-4f45-9708-019B960494DF}">
-              <a14:hiddenLine xmlns="" xmlns:a14="http://schemas.microsoft.com/office/drawing/2010/main" w="9525">
+              <a14:hiddenLine xmlns:a14="http://schemas.microsoft.com/office/drawing/2010/main" xmlns="" w="9525">
                 <a:solidFill>
                   <a:srgbClr val="000000"/>
                 </a:solidFill>
@@ -18111,14 +18124,14 @@
           </a:ln>
           <a:extLst>
             <a:ext uri="{909E8E84-426E-40dd-AFC4-6F175D3DCCD1}">
-              <a14:hiddenFill xmlns="" xmlns:a14="http://schemas.microsoft.com/office/drawing/2010/main">
+              <a14:hiddenFill xmlns:a14="http://schemas.microsoft.com/office/drawing/2010/main" xmlns="">
                 <a:solidFill>
                   <a:srgbClr val="FFFFFF"/>
                 </a:solidFill>
               </a14:hiddenFill>
             </a:ext>
             <a:ext uri="{91240B29-F687-4f45-9708-019B960494DF}">
-              <a14:hiddenLine xmlns="" xmlns:a14="http://schemas.microsoft.com/office/drawing/2010/main" w="9525">
+              <a14:hiddenLine xmlns:a14="http://schemas.microsoft.com/office/drawing/2010/main" xmlns="" w="9525">
                 <a:solidFill>
                   <a:srgbClr val="000000"/>
                 </a:solidFill>
@@ -18284,14 +18297,14 @@
           </a:ln>
           <a:extLst>
             <a:ext uri="{909E8E84-426E-40dd-AFC4-6F175D3DCCD1}">
-              <a14:hiddenFill xmlns="" xmlns:a14="http://schemas.microsoft.com/office/drawing/2010/main">
+              <a14:hiddenFill xmlns:a14="http://schemas.microsoft.com/office/drawing/2010/main" xmlns="">
                 <a:solidFill>
                   <a:srgbClr val="FFFFFF"/>
                 </a:solidFill>
               </a14:hiddenFill>
             </a:ext>
             <a:ext uri="{91240B29-F687-4f45-9708-019B960494DF}">
-              <a14:hiddenLine xmlns="" xmlns:a14="http://schemas.microsoft.com/office/drawing/2010/main" w="9525">
+              <a14:hiddenLine xmlns:a14="http://schemas.microsoft.com/office/drawing/2010/main" xmlns="" w="9525">
                 <a:solidFill>
                   <a:srgbClr val="000000"/>
                 </a:solidFill>
@@ -20238,7 +20251,7 @@
           <a:effectLst/>
           <a:extLst>
             <a:ext uri="{909E8E84-426E-40dd-AFC4-6F175D3DCCD1}">
-              <a14:hiddenFill xmlns="" xmlns:a14="http://schemas.microsoft.com/office/drawing/2010/main">
+              <a14:hiddenFill xmlns:a14="http://schemas.microsoft.com/office/drawing/2010/main" xmlns="">
                 <a:noFill/>
               </a14:hiddenFill>
             </a:ext>
@@ -20274,7 +20287,7 @@
           <a:effectLst/>
           <a:extLst>
             <a:ext uri="{909E8E84-426E-40dd-AFC4-6F175D3DCCD1}">
-              <a14:hiddenFill xmlns="" xmlns:a14="http://schemas.microsoft.com/office/drawing/2010/main">
+              <a14:hiddenFill xmlns:a14="http://schemas.microsoft.com/office/drawing/2010/main" xmlns="">
                 <a:noFill/>
               </a14:hiddenFill>
             </a:ext>
@@ -20650,14 +20663,14 @@
           </a:ln>
           <a:extLst>
             <a:ext uri="{909E8E84-426E-40dd-AFC4-6F175D3DCCD1}">
-              <a14:hiddenFill xmlns="" xmlns:a14="http://schemas.microsoft.com/office/drawing/2010/main">
+              <a14:hiddenFill xmlns:a14="http://schemas.microsoft.com/office/drawing/2010/main" xmlns="">
                 <a:solidFill>
                   <a:srgbClr val="FFFFFF"/>
                 </a:solidFill>
               </a14:hiddenFill>
             </a:ext>
             <a:ext uri="{91240B29-F687-4f45-9708-019B960494DF}">
-              <a14:hiddenLine xmlns="" xmlns:a14="http://schemas.microsoft.com/office/drawing/2010/main" w="9525">
+              <a14:hiddenLine xmlns:a14="http://schemas.microsoft.com/office/drawing/2010/main" xmlns="" w="9525">
                 <a:solidFill>
                   <a:srgbClr val="000000"/>
                 </a:solidFill>
@@ -20823,14 +20836,14 @@
           </a:ln>
           <a:extLst>
             <a:ext uri="{909E8E84-426E-40dd-AFC4-6F175D3DCCD1}">
-              <a14:hiddenFill xmlns="" xmlns:a14="http://schemas.microsoft.com/office/drawing/2010/main">
+              <a14:hiddenFill xmlns:a14="http://schemas.microsoft.com/office/drawing/2010/main" xmlns="">
                 <a:solidFill>
                   <a:srgbClr val="FFFFFF"/>
                 </a:solidFill>
               </a14:hiddenFill>
             </a:ext>
             <a:ext uri="{91240B29-F687-4f45-9708-019B960494DF}">
-              <a14:hiddenLine xmlns="" xmlns:a14="http://schemas.microsoft.com/office/drawing/2010/main" w="9525">
+              <a14:hiddenLine xmlns:a14="http://schemas.microsoft.com/office/drawing/2010/main" xmlns="" w="9525">
                 <a:solidFill>
                   <a:srgbClr val="000000"/>
                 </a:solidFill>
@@ -22963,7 +22976,7 @@
           <a:effectLst/>
           <a:extLst>
             <a:ext uri="{909E8E84-426E-40dd-AFC4-6F175D3DCCD1}">
-              <a14:hiddenFill xmlns="" xmlns:a14="http://schemas.microsoft.com/office/drawing/2010/main">
+              <a14:hiddenFill xmlns:a14="http://schemas.microsoft.com/office/drawing/2010/main" xmlns="">
                 <a:noFill/>
               </a14:hiddenFill>
             </a:ext>
@@ -22999,7 +23012,7 @@
           <a:effectLst/>
           <a:extLst>
             <a:ext uri="{909E8E84-426E-40dd-AFC4-6F175D3DCCD1}">
-              <a14:hiddenFill xmlns="" xmlns:a14="http://schemas.microsoft.com/office/drawing/2010/main">
+              <a14:hiddenFill xmlns:a14="http://schemas.microsoft.com/office/drawing/2010/main" xmlns="">
                 <a:noFill/>
               </a14:hiddenFill>
             </a:ext>
@@ -23404,7 +23417,7 @@
           <a:effectLst/>
           <a:extLst>
             <a:ext uri="{909E8E84-426E-40dd-AFC4-6F175D3DCCD1}">
-              <a14:hiddenFill xmlns="" xmlns:a14="http://schemas.microsoft.com/office/drawing/2010/main">
+              <a14:hiddenFill xmlns:a14="http://schemas.microsoft.com/office/drawing/2010/main" xmlns="">
                 <a:noFill/>
               </a14:hiddenFill>
             </a:ext>
@@ -23441,7 +23454,7 @@
           <a:effectLst/>
           <a:extLst>
             <a:ext uri="{909E8E84-426E-40dd-AFC4-6F175D3DCCD1}">
-              <a14:hiddenFill xmlns="" xmlns:a14="http://schemas.microsoft.com/office/drawing/2010/main">
+              <a14:hiddenFill xmlns:a14="http://schemas.microsoft.com/office/drawing/2010/main" xmlns="">
                 <a:noFill/>
               </a14:hiddenFill>
             </a:ext>
@@ -23470,14 +23483,14 @@
           </a:ln>
           <a:extLst>
             <a:ext uri="{909E8E84-426E-40dd-AFC4-6F175D3DCCD1}">
-              <a14:hiddenFill xmlns="" xmlns:a14="http://schemas.microsoft.com/office/drawing/2010/main">
+              <a14:hiddenFill xmlns:a14="http://schemas.microsoft.com/office/drawing/2010/main" xmlns="">
                 <a:solidFill>
                   <a:srgbClr val="FFFFFF"/>
                 </a:solidFill>
               </a14:hiddenFill>
             </a:ext>
             <a:ext uri="{91240B29-F687-4f45-9708-019B960494DF}">
-              <a14:hiddenLine xmlns="" xmlns:a14="http://schemas.microsoft.com/office/drawing/2010/main" w="9525">
+              <a14:hiddenLine xmlns:a14="http://schemas.microsoft.com/office/drawing/2010/main" xmlns="" w="9525">
                 <a:solidFill>
                   <a:srgbClr val="000000"/>
                 </a:solidFill>
@@ -23643,14 +23656,14 @@
           </a:ln>
           <a:extLst>
             <a:ext uri="{909E8E84-426E-40dd-AFC4-6F175D3DCCD1}">
-              <a14:hiddenFill xmlns="" xmlns:a14="http://schemas.microsoft.com/office/drawing/2010/main">
+              <a14:hiddenFill xmlns:a14="http://schemas.microsoft.com/office/drawing/2010/main" xmlns="">
                 <a:solidFill>
                   <a:srgbClr val="FFFFFF"/>
                 </a:solidFill>
               </a14:hiddenFill>
             </a:ext>
             <a:ext uri="{91240B29-F687-4f45-9708-019B960494DF}">
-              <a14:hiddenLine xmlns="" xmlns:a14="http://schemas.microsoft.com/office/drawing/2010/main" w="9525">
+              <a14:hiddenLine xmlns:a14="http://schemas.microsoft.com/office/drawing/2010/main" xmlns="" w="9525">
                 <a:solidFill>
                   <a:srgbClr val="000000"/>
                 </a:solidFill>
@@ -25208,14 +25221,14 @@
           </a:ln>
           <a:extLst>
             <a:ext uri="{909E8E84-426E-40dd-AFC4-6F175D3DCCD1}">
-              <a14:hiddenFill xmlns="" xmlns:a14="http://schemas.microsoft.com/office/drawing/2010/main">
+              <a14:hiddenFill xmlns:a14="http://schemas.microsoft.com/office/drawing/2010/main" xmlns="">
                 <a:solidFill>
                   <a:srgbClr val="FFFFFF"/>
                 </a:solidFill>
               </a14:hiddenFill>
             </a:ext>
             <a:ext uri="{91240B29-F687-4f45-9708-019B960494DF}">
-              <a14:hiddenLine xmlns="" xmlns:a14="http://schemas.microsoft.com/office/drawing/2010/main" w="9525">
+              <a14:hiddenLine xmlns:a14="http://schemas.microsoft.com/office/drawing/2010/main" xmlns="" w="9525">
                 <a:solidFill>
                   <a:srgbClr val="000000"/>
                 </a:solidFill>
@@ -26067,7 +26080,7 @@
           <a:effectLst/>
           <a:extLst>
             <a:ext uri="{909E8E84-426E-40dd-AFC4-6F175D3DCCD1}">
-              <a14:hiddenFill xmlns="" xmlns:a14="http://schemas.microsoft.com/office/drawing/2010/main">
+              <a14:hiddenFill xmlns:a14="http://schemas.microsoft.com/office/drawing/2010/main" xmlns="">
                 <a:noFill/>
               </a14:hiddenFill>
             </a:ext>
@@ -26104,7 +26117,7 @@
           <a:effectLst/>
           <a:extLst>
             <a:ext uri="{909E8E84-426E-40dd-AFC4-6F175D3DCCD1}">
-              <a14:hiddenFill xmlns="" xmlns:a14="http://schemas.microsoft.com/office/drawing/2010/main">
+              <a14:hiddenFill xmlns:a14="http://schemas.microsoft.com/office/drawing/2010/main" xmlns="">
                 <a:noFill/>
               </a14:hiddenFill>
             </a:ext>
@@ -26133,14 +26146,14 @@
           </a:ln>
           <a:extLst>
             <a:ext uri="{909E8E84-426E-40dd-AFC4-6F175D3DCCD1}">
-              <a14:hiddenFill xmlns="" xmlns:a14="http://schemas.microsoft.com/office/drawing/2010/main">
+              <a14:hiddenFill xmlns:a14="http://schemas.microsoft.com/office/drawing/2010/main" xmlns="">
                 <a:solidFill>
                   <a:srgbClr val="FFFFFF"/>
                 </a:solidFill>
               </a14:hiddenFill>
             </a:ext>
             <a:ext uri="{91240B29-F687-4f45-9708-019B960494DF}">
-              <a14:hiddenLine xmlns="" xmlns:a14="http://schemas.microsoft.com/office/drawing/2010/main" w="9525">
+              <a14:hiddenLine xmlns:a14="http://schemas.microsoft.com/office/drawing/2010/main" xmlns="" w="9525">
                 <a:solidFill>
                   <a:srgbClr val="000000"/>
                 </a:solidFill>
@@ -26306,14 +26319,14 @@
           </a:ln>
           <a:extLst>
             <a:ext uri="{909E8E84-426E-40dd-AFC4-6F175D3DCCD1}">
-              <a14:hiddenFill xmlns="" xmlns:a14="http://schemas.microsoft.com/office/drawing/2010/main">
+              <a14:hiddenFill xmlns:a14="http://schemas.microsoft.com/office/drawing/2010/main" xmlns="">
                 <a:solidFill>
                   <a:srgbClr val="FFFFFF"/>
                 </a:solidFill>
               </a14:hiddenFill>
             </a:ext>
             <a:ext uri="{91240B29-F687-4f45-9708-019B960494DF}">
-              <a14:hiddenLine xmlns="" xmlns:a14="http://schemas.microsoft.com/office/drawing/2010/main" w="9525">
+              <a14:hiddenLine xmlns:a14="http://schemas.microsoft.com/office/drawing/2010/main" xmlns="" w="9525">
                 <a:solidFill>
                   <a:srgbClr val="000000"/>
                 </a:solidFill>
@@ -28440,8 +28453,8 @@
           </a:p>
         </p:txBody>
       </p:sp>
-      <mc:AlternateContent xmlns:mc="http://schemas.openxmlformats.org/markup-compatibility/2006">
-        <mc:Choice xmlns:p14="http://schemas.microsoft.com/office/powerpoint/2010/main" Requires="p14">
+      <mc:AlternateContent xmlns:mc="http://schemas.openxmlformats.org/markup-compatibility/2006" xmlns:p14="http://schemas.microsoft.com/office/powerpoint/2010/main">
+        <mc:Choice Requires="p14">
           <p:contentPart p14:bwMode="auto" r:id="rId3">
             <p14:nvContentPartPr>
               <p14:cNvPr id="17" name="Ink 16">
@@ -28460,7 +28473,7 @@
             </p14:xfrm>
           </p:contentPart>
         </mc:Choice>
-        <mc:Fallback>
+        <mc:Fallback xmlns="">
           <p:pic>
             <p:nvPicPr>
               <p:cNvPr id="17" name="Ink 16">
@@ -28491,8 +28504,8 @@
           </p:pic>
         </mc:Fallback>
       </mc:AlternateContent>
-      <mc:AlternateContent xmlns:mc="http://schemas.openxmlformats.org/markup-compatibility/2006">
-        <mc:Choice xmlns:p14="http://schemas.microsoft.com/office/powerpoint/2010/main" Requires="p14">
+      <mc:AlternateContent xmlns:mc="http://schemas.openxmlformats.org/markup-compatibility/2006" xmlns:p14="http://schemas.microsoft.com/office/powerpoint/2010/main">
+        <mc:Choice Requires="p14">
           <p:contentPart p14:bwMode="auto" r:id="rId5">
             <p14:nvContentPartPr>
               <p14:cNvPr id="19" name="Ink 18">
@@ -28511,7 +28524,7 @@
             </p14:xfrm>
           </p:contentPart>
         </mc:Choice>
-        <mc:Fallback>
+        <mc:Fallback xmlns="">
           <p:pic>
             <p:nvPicPr>
               <p:cNvPr id="19" name="Ink 18">
@@ -28542,8 +28555,8 @@
           </p:pic>
         </mc:Fallback>
       </mc:AlternateContent>
-      <mc:AlternateContent xmlns:mc="http://schemas.openxmlformats.org/markup-compatibility/2006">
-        <mc:Choice xmlns:p14="http://schemas.microsoft.com/office/powerpoint/2010/main" Requires="p14">
+      <mc:AlternateContent xmlns:mc="http://schemas.openxmlformats.org/markup-compatibility/2006" xmlns:p14="http://schemas.microsoft.com/office/powerpoint/2010/main">
+        <mc:Choice Requires="p14">
           <p:contentPart p14:bwMode="auto" r:id="rId7">
             <p14:nvContentPartPr>
               <p14:cNvPr id="21" name="Ink 20">
@@ -28562,7 +28575,7 @@
             </p14:xfrm>
           </p:contentPart>
         </mc:Choice>
-        <mc:Fallback>
+        <mc:Fallback xmlns="">
           <p:pic>
             <p:nvPicPr>
               <p:cNvPr id="21" name="Ink 20">
@@ -29562,7 +29575,7 @@
           <a:effectLst/>
           <a:extLst>
             <a:ext uri="{909E8E84-426E-40dd-AFC4-6F175D3DCCD1}">
-              <a14:hiddenFill xmlns="" xmlns:a14="http://schemas.microsoft.com/office/drawing/2010/main">
+              <a14:hiddenFill xmlns:a14="http://schemas.microsoft.com/office/drawing/2010/main" xmlns="">
                 <a:noFill/>
               </a14:hiddenFill>
             </a:ext>
@@ -29598,7 +29611,7 @@
           <a:effectLst/>
           <a:extLst>
             <a:ext uri="{909E8E84-426E-40dd-AFC4-6F175D3DCCD1}">
-              <a14:hiddenFill xmlns="" xmlns:a14="http://schemas.microsoft.com/office/drawing/2010/main">
+              <a14:hiddenFill xmlns:a14="http://schemas.microsoft.com/office/drawing/2010/main" xmlns="">
                 <a:noFill/>
               </a14:hiddenFill>
             </a:ext>
@@ -33870,14 +33883,14 @@
           </a:ln>
           <a:extLst>
             <a:ext uri="{909E8E84-426E-40dd-AFC4-6F175D3DCCD1}">
-              <a14:hiddenFill xmlns="" xmlns:a14="http://schemas.microsoft.com/office/drawing/2010/main">
+              <a14:hiddenFill xmlns:a14="http://schemas.microsoft.com/office/drawing/2010/main" xmlns="">
                 <a:solidFill>
                   <a:srgbClr val="FFFFFF"/>
                 </a:solidFill>
               </a14:hiddenFill>
             </a:ext>
             <a:ext uri="{91240B29-F687-4f45-9708-019B960494DF}">
-              <a14:hiddenLine xmlns="" xmlns:a14="http://schemas.microsoft.com/office/drawing/2010/main" w="9525">
+              <a14:hiddenLine xmlns:a14="http://schemas.microsoft.com/office/drawing/2010/main" xmlns="" w="9525">
                 <a:solidFill>
                   <a:srgbClr val="000000"/>
                 </a:solidFill>
@@ -34032,14 +34045,14 @@
           </a:ln>
           <a:extLst>
             <a:ext uri="{909E8E84-426E-40dd-AFC4-6F175D3DCCD1}">
-              <a14:hiddenFill xmlns="" xmlns:a14="http://schemas.microsoft.com/office/drawing/2010/main">
+              <a14:hiddenFill xmlns:a14="http://schemas.microsoft.com/office/drawing/2010/main" xmlns="">
                 <a:solidFill>
                   <a:srgbClr val="FFFFFF"/>
                 </a:solidFill>
               </a14:hiddenFill>
             </a:ext>
             <a:ext uri="{91240B29-F687-4f45-9708-019B960494DF}">
-              <a14:hiddenLine xmlns="" xmlns:a14="http://schemas.microsoft.com/office/drawing/2010/main" w="9525">
+              <a14:hiddenLine xmlns:a14="http://schemas.microsoft.com/office/drawing/2010/main" xmlns="" w="9525">
                 <a:solidFill>
                   <a:srgbClr val="000000"/>
                 </a:solidFill>
@@ -34399,14 +34412,14 @@
           </a:ln>
           <a:extLst>
             <a:ext uri="{909E8E84-426E-40dd-AFC4-6F175D3DCCD1}">
-              <a14:hiddenFill xmlns="" xmlns:a14="http://schemas.microsoft.com/office/drawing/2010/main">
+              <a14:hiddenFill xmlns:a14="http://schemas.microsoft.com/office/drawing/2010/main" xmlns="">
                 <a:solidFill>
                   <a:srgbClr val="FFFFFF"/>
                 </a:solidFill>
               </a14:hiddenFill>
             </a:ext>
             <a:ext uri="{91240B29-F687-4f45-9708-019B960494DF}">
-              <a14:hiddenLine xmlns="" xmlns:a14="http://schemas.microsoft.com/office/drawing/2010/main" w="9525">
+              <a14:hiddenLine xmlns:a14="http://schemas.microsoft.com/office/drawing/2010/main" xmlns="" w="9525">
                 <a:solidFill>
                   <a:srgbClr val="000000"/>
                 </a:solidFill>
@@ -34621,14 +34634,14 @@
           </a:ln>
           <a:extLst>
             <a:ext uri="{909E8E84-426E-40dd-AFC4-6F175D3DCCD1}">
-              <a14:hiddenFill xmlns="" xmlns:a14="http://schemas.microsoft.com/office/drawing/2010/main">
+              <a14:hiddenFill xmlns:a14="http://schemas.microsoft.com/office/drawing/2010/main" xmlns="">
                 <a:solidFill>
                   <a:srgbClr val="FFFFFF"/>
                 </a:solidFill>
               </a14:hiddenFill>
             </a:ext>
             <a:ext uri="{91240B29-F687-4f45-9708-019B960494DF}">
-              <a14:hiddenLine xmlns="" xmlns:a14="http://schemas.microsoft.com/office/drawing/2010/main" w="9525">
+              <a14:hiddenLine xmlns:a14="http://schemas.microsoft.com/office/drawing/2010/main" xmlns="" w="9525">
                 <a:solidFill>
                   <a:srgbClr val="000000"/>
                 </a:solidFill>
@@ -34796,14 +34809,14 @@
           </a:ln>
           <a:extLst>
             <a:ext uri="{909E8E84-426E-40dd-AFC4-6F175D3DCCD1}">
-              <a14:hiddenFill xmlns="" xmlns:a14="http://schemas.microsoft.com/office/drawing/2010/main">
+              <a14:hiddenFill xmlns:a14="http://schemas.microsoft.com/office/drawing/2010/main" xmlns="">
                 <a:solidFill>
                   <a:srgbClr val="FFFFFF"/>
                 </a:solidFill>
               </a14:hiddenFill>
             </a:ext>
             <a:ext uri="{91240B29-F687-4f45-9708-019B960494DF}">
-              <a14:hiddenLine xmlns="" xmlns:a14="http://schemas.microsoft.com/office/drawing/2010/main" w="9525">
+              <a14:hiddenLine xmlns:a14="http://schemas.microsoft.com/office/drawing/2010/main" xmlns="" w="9525">
                 <a:solidFill>
                   <a:srgbClr val="000000"/>
                 </a:solidFill>
@@ -34971,14 +34984,14 @@
           </a:ln>
           <a:extLst>
             <a:ext uri="{909E8E84-426E-40dd-AFC4-6F175D3DCCD1}">
-              <a14:hiddenFill xmlns="" xmlns:a14="http://schemas.microsoft.com/office/drawing/2010/main">
+              <a14:hiddenFill xmlns:a14="http://schemas.microsoft.com/office/drawing/2010/main" xmlns="">
                 <a:solidFill>
                   <a:srgbClr val="FFFFFF"/>
                 </a:solidFill>
               </a14:hiddenFill>
             </a:ext>
             <a:ext uri="{91240B29-F687-4f45-9708-019B960494DF}">
-              <a14:hiddenLine xmlns="" xmlns:a14="http://schemas.microsoft.com/office/drawing/2010/main" w="9525">
+              <a14:hiddenLine xmlns:a14="http://schemas.microsoft.com/office/drawing/2010/main" xmlns="" w="9525">
                 <a:solidFill>
                   <a:srgbClr val="000000"/>
                 </a:solidFill>
@@ -35145,14 +35158,14 @@
           </a:ln>
           <a:extLst>
             <a:ext uri="{909E8E84-426E-40dd-AFC4-6F175D3DCCD1}">
-              <a14:hiddenFill xmlns="" xmlns:a14="http://schemas.microsoft.com/office/drawing/2010/main">
+              <a14:hiddenFill xmlns:a14="http://schemas.microsoft.com/office/drawing/2010/main" xmlns="">
                 <a:solidFill>
                   <a:srgbClr val="FFFFFF"/>
                 </a:solidFill>
               </a14:hiddenFill>
             </a:ext>
             <a:ext uri="{91240B29-F687-4f45-9708-019B960494DF}">
-              <a14:hiddenLine xmlns="" xmlns:a14="http://schemas.microsoft.com/office/drawing/2010/main" w="9525">
+              <a14:hiddenLine xmlns:a14="http://schemas.microsoft.com/office/drawing/2010/main" xmlns="" w="9525">
                 <a:solidFill>
                   <a:srgbClr val="000000"/>
                 </a:solidFill>
@@ -35415,14 +35428,14 @@
           </a:ln>
           <a:extLst>
             <a:ext uri="{909E8E84-426E-40dd-AFC4-6F175D3DCCD1}">
-              <a14:hiddenFill xmlns="" xmlns:a14="http://schemas.microsoft.com/office/drawing/2010/main">
+              <a14:hiddenFill xmlns:a14="http://schemas.microsoft.com/office/drawing/2010/main" xmlns="">
                 <a:solidFill>
                   <a:srgbClr val="FFFFFF"/>
                 </a:solidFill>
               </a14:hiddenFill>
             </a:ext>
             <a:ext uri="{91240B29-F687-4f45-9708-019B960494DF}">
-              <a14:hiddenLine xmlns="" xmlns:a14="http://schemas.microsoft.com/office/drawing/2010/main" w="9525">
+              <a14:hiddenLine xmlns:a14="http://schemas.microsoft.com/office/drawing/2010/main" xmlns="" w="9525">
                 <a:solidFill>
                   <a:srgbClr val="000000"/>
                 </a:solidFill>
@@ -35590,14 +35603,14 @@
           </a:ln>
           <a:extLst>
             <a:ext uri="{909E8E84-426E-40dd-AFC4-6F175D3DCCD1}">
-              <a14:hiddenFill xmlns="" xmlns:a14="http://schemas.microsoft.com/office/drawing/2010/main">
+              <a14:hiddenFill xmlns:a14="http://schemas.microsoft.com/office/drawing/2010/main" xmlns="">
                 <a:solidFill>
                   <a:srgbClr val="FFFFFF"/>
                 </a:solidFill>
               </a14:hiddenFill>
             </a:ext>
             <a:ext uri="{91240B29-F687-4f45-9708-019B960494DF}">
-              <a14:hiddenLine xmlns="" xmlns:a14="http://schemas.microsoft.com/office/drawing/2010/main" w="9525">
+              <a14:hiddenLine xmlns:a14="http://schemas.microsoft.com/office/drawing/2010/main" xmlns="" w="9525">
                 <a:solidFill>
                   <a:srgbClr val="000000"/>
                 </a:solidFill>
@@ -35800,14 +35813,14 @@
           </a:ln>
           <a:extLst>
             <a:ext uri="{909E8E84-426E-40dd-AFC4-6F175D3DCCD1}">
-              <a14:hiddenFill xmlns="" xmlns:a14="http://schemas.microsoft.com/office/drawing/2010/main">
+              <a14:hiddenFill xmlns:a14="http://schemas.microsoft.com/office/drawing/2010/main" xmlns="">
                 <a:solidFill>
                   <a:srgbClr val="FFFFFF"/>
                 </a:solidFill>
               </a14:hiddenFill>
             </a:ext>
             <a:ext uri="{91240B29-F687-4f45-9708-019B960494DF}">
-              <a14:hiddenLine xmlns="" xmlns:a14="http://schemas.microsoft.com/office/drawing/2010/main" w="9525">
+              <a14:hiddenLine xmlns:a14="http://schemas.microsoft.com/office/drawing/2010/main" xmlns="" w="9525">
                 <a:solidFill>
                   <a:srgbClr val="000000"/>
                 </a:solidFill>
@@ -35974,14 +35987,14 @@
           </a:ln>
           <a:extLst>
             <a:ext uri="{909E8E84-426E-40dd-AFC4-6F175D3DCCD1}">
-              <a14:hiddenFill xmlns="" xmlns:a14="http://schemas.microsoft.com/office/drawing/2010/main">
+              <a14:hiddenFill xmlns:a14="http://schemas.microsoft.com/office/drawing/2010/main" xmlns="">
                 <a:solidFill>
                   <a:srgbClr val="FFFFFF"/>
                 </a:solidFill>
               </a14:hiddenFill>
             </a:ext>
             <a:ext uri="{91240B29-F687-4f45-9708-019B960494DF}">
-              <a14:hiddenLine xmlns="" xmlns:a14="http://schemas.microsoft.com/office/drawing/2010/main" w="9525">
+              <a14:hiddenLine xmlns:a14="http://schemas.microsoft.com/office/drawing/2010/main" xmlns="" w="9525">
                 <a:solidFill>
                   <a:srgbClr val="000000"/>
                 </a:solidFill>
@@ -36278,14 +36291,14 @@
           </a:ln>
           <a:extLst>
             <a:ext uri="{909E8E84-426E-40dd-AFC4-6F175D3DCCD1}">
-              <a14:hiddenFill xmlns="" xmlns:a14="http://schemas.microsoft.com/office/drawing/2010/main">
+              <a14:hiddenFill xmlns:a14="http://schemas.microsoft.com/office/drawing/2010/main" xmlns="">
                 <a:solidFill>
                   <a:srgbClr val="FFFFFF"/>
                 </a:solidFill>
               </a14:hiddenFill>
             </a:ext>
             <a:ext uri="{91240B29-F687-4f45-9708-019B960494DF}">
-              <a14:hiddenLine xmlns="" xmlns:a14="http://schemas.microsoft.com/office/drawing/2010/main" w="9525">
+              <a14:hiddenLine xmlns:a14="http://schemas.microsoft.com/office/drawing/2010/main" xmlns="" w="9525">
                 <a:solidFill>
                   <a:srgbClr val="000000"/>
                 </a:solidFill>
@@ -36727,14 +36740,14 @@
           </a:ln>
           <a:extLst>
             <a:ext uri="{909E8E84-426E-40dd-AFC4-6F175D3DCCD1}">
-              <a14:hiddenFill xmlns="" xmlns:a14="http://schemas.microsoft.com/office/drawing/2010/main">
+              <a14:hiddenFill xmlns:a14="http://schemas.microsoft.com/office/drawing/2010/main" xmlns="">
                 <a:solidFill>
                   <a:srgbClr val="FFFFFF"/>
                 </a:solidFill>
               </a14:hiddenFill>
             </a:ext>
             <a:ext uri="{91240B29-F687-4f45-9708-019B960494DF}">
-              <a14:hiddenLine xmlns="" xmlns:a14="http://schemas.microsoft.com/office/drawing/2010/main" w="9525">
+              <a14:hiddenLine xmlns:a14="http://schemas.microsoft.com/office/drawing/2010/main" xmlns="" w="9525">
                 <a:solidFill>
                   <a:srgbClr val="000000"/>
                 </a:solidFill>
@@ -36768,14 +36781,14 @@
           </a:ln>
           <a:extLst>
             <a:ext uri="{909E8E84-426E-40dd-AFC4-6F175D3DCCD1}">
-              <a14:hiddenFill xmlns="" xmlns:a14="http://schemas.microsoft.com/office/drawing/2010/main">
+              <a14:hiddenFill xmlns:a14="http://schemas.microsoft.com/office/drawing/2010/main" xmlns="">
                 <a:solidFill>
                   <a:srgbClr val="FFFFFF"/>
                 </a:solidFill>
               </a14:hiddenFill>
             </a:ext>
             <a:ext uri="{91240B29-F687-4f45-9708-019B960494DF}">
-              <a14:hiddenLine xmlns="" xmlns:a14="http://schemas.microsoft.com/office/drawing/2010/main" w="9525">
+              <a14:hiddenLine xmlns:a14="http://schemas.microsoft.com/office/drawing/2010/main" xmlns="" w="9525">
                 <a:solidFill>
                   <a:srgbClr val="000000"/>
                 </a:solidFill>
@@ -36961,14 +36974,14 @@
           </a:ln>
           <a:extLst>
             <a:ext uri="{909E8E84-426E-40dd-AFC4-6F175D3DCCD1}">
-              <a14:hiddenFill xmlns="" xmlns:a14="http://schemas.microsoft.com/office/drawing/2010/main">
+              <a14:hiddenFill xmlns:a14="http://schemas.microsoft.com/office/drawing/2010/main" xmlns="">
                 <a:solidFill>
                   <a:srgbClr val="FFFFFF"/>
                 </a:solidFill>
               </a14:hiddenFill>
             </a:ext>
             <a:ext uri="{91240B29-F687-4f45-9708-019B960494DF}">
-              <a14:hiddenLine xmlns="" xmlns:a14="http://schemas.microsoft.com/office/drawing/2010/main" w="9525">
+              <a14:hiddenLine xmlns:a14="http://schemas.microsoft.com/office/drawing/2010/main" xmlns="" w="9525">
                 <a:solidFill>
                   <a:srgbClr val="000000"/>
                 </a:solidFill>
@@ -37002,14 +37015,14 @@
           </a:ln>
           <a:extLst>
             <a:ext uri="{909E8E84-426E-40dd-AFC4-6F175D3DCCD1}">
-              <a14:hiddenFill xmlns="" xmlns:a14="http://schemas.microsoft.com/office/drawing/2010/main">
+              <a14:hiddenFill xmlns:a14="http://schemas.microsoft.com/office/drawing/2010/main" xmlns="">
                 <a:solidFill>
                   <a:srgbClr val="FFFFFF"/>
                 </a:solidFill>
               </a14:hiddenFill>
             </a:ext>
             <a:ext uri="{91240B29-F687-4f45-9708-019B960494DF}">
-              <a14:hiddenLine xmlns="" xmlns:a14="http://schemas.microsoft.com/office/drawing/2010/main" w="9525">
+              <a14:hiddenLine xmlns:a14="http://schemas.microsoft.com/office/drawing/2010/main" xmlns="" w="9525">
                 <a:solidFill>
                   <a:srgbClr val="000000"/>
                 </a:solidFill>
@@ -37196,14 +37209,14 @@
           </a:ln>
           <a:extLst>
             <a:ext uri="{909E8E84-426E-40dd-AFC4-6F175D3DCCD1}">
-              <a14:hiddenFill xmlns="" xmlns:a14="http://schemas.microsoft.com/office/drawing/2010/main">
+              <a14:hiddenFill xmlns:a14="http://schemas.microsoft.com/office/drawing/2010/main" xmlns="">
                 <a:solidFill>
                   <a:srgbClr val="FFFFFF"/>
                 </a:solidFill>
               </a14:hiddenFill>
             </a:ext>
             <a:ext uri="{91240B29-F687-4f45-9708-019B960494DF}">
-              <a14:hiddenLine xmlns="" xmlns:a14="http://schemas.microsoft.com/office/drawing/2010/main" w="9525">
+              <a14:hiddenLine xmlns:a14="http://schemas.microsoft.com/office/drawing/2010/main" xmlns="" w="9525">
                 <a:solidFill>
                   <a:srgbClr val="000000"/>
                 </a:solidFill>
@@ -37775,14 +37788,14 @@
           </a:ln>
           <a:extLst>
             <a:ext uri="{909E8E84-426E-40dd-AFC4-6F175D3DCCD1}">
-              <a14:hiddenFill xmlns="" xmlns:a14="http://schemas.microsoft.com/office/drawing/2010/main">
+              <a14:hiddenFill xmlns:a14="http://schemas.microsoft.com/office/drawing/2010/main" xmlns="">
                 <a:solidFill>
                   <a:srgbClr val="FFFFFF"/>
                 </a:solidFill>
               </a14:hiddenFill>
             </a:ext>
             <a:ext uri="{91240B29-F687-4f45-9708-019B960494DF}">
-              <a14:hiddenLine xmlns="" xmlns:a14="http://schemas.microsoft.com/office/drawing/2010/main" w="9525">
+              <a14:hiddenLine xmlns:a14="http://schemas.microsoft.com/office/drawing/2010/main" xmlns="" w="9525">
                 <a:solidFill>
                   <a:srgbClr val="000000"/>
                 </a:solidFill>
@@ -37830,14 +37843,14 @@
           </a:ln>
           <a:extLst>
             <a:ext uri="{909E8E84-426E-40dd-AFC4-6F175D3DCCD1}">
-              <a14:hiddenFill xmlns="" xmlns:a14="http://schemas.microsoft.com/office/drawing/2010/main">
+              <a14:hiddenFill xmlns:a14="http://schemas.microsoft.com/office/drawing/2010/main" xmlns="">
                 <a:solidFill>
                   <a:srgbClr val="FFFFFF"/>
                 </a:solidFill>
               </a14:hiddenFill>
             </a:ext>
             <a:ext uri="{91240B29-F687-4f45-9708-019B960494DF}">
-              <a14:hiddenLine xmlns="" xmlns:a14="http://schemas.microsoft.com/office/drawing/2010/main" w="9525">
+              <a14:hiddenLine xmlns:a14="http://schemas.microsoft.com/office/drawing/2010/main" xmlns="" w="9525">
                 <a:solidFill>
                   <a:srgbClr val="000000"/>
                 </a:solidFill>
@@ -37885,14 +37898,14 @@
           </a:ln>
           <a:extLst>
             <a:ext uri="{909E8E84-426E-40dd-AFC4-6F175D3DCCD1}">
-              <a14:hiddenFill xmlns="" xmlns:a14="http://schemas.microsoft.com/office/drawing/2010/main">
+              <a14:hiddenFill xmlns:a14="http://schemas.microsoft.com/office/drawing/2010/main" xmlns="">
                 <a:solidFill>
                   <a:srgbClr val="FFFFFF"/>
                 </a:solidFill>
               </a14:hiddenFill>
             </a:ext>
             <a:ext uri="{91240B29-F687-4f45-9708-019B960494DF}">
-              <a14:hiddenLine xmlns="" xmlns:a14="http://schemas.microsoft.com/office/drawing/2010/main" w="9525">
+              <a14:hiddenLine xmlns:a14="http://schemas.microsoft.com/office/drawing/2010/main" xmlns="" w="9525">
                 <a:solidFill>
                   <a:srgbClr val="000000"/>
                 </a:solidFill>
@@ -37940,14 +37953,14 @@
           </a:ln>
           <a:extLst>
             <a:ext uri="{909E8E84-426E-40dd-AFC4-6F175D3DCCD1}">
-              <a14:hiddenFill xmlns="" xmlns:a14="http://schemas.microsoft.com/office/drawing/2010/main">
+              <a14:hiddenFill xmlns:a14="http://schemas.microsoft.com/office/drawing/2010/main" xmlns="">
                 <a:solidFill>
                   <a:srgbClr val="FFFFFF"/>
                 </a:solidFill>
               </a14:hiddenFill>
             </a:ext>
             <a:ext uri="{91240B29-F687-4f45-9708-019B960494DF}">
-              <a14:hiddenLine xmlns="" xmlns:a14="http://schemas.microsoft.com/office/drawing/2010/main" w="9525">
+              <a14:hiddenLine xmlns:a14="http://schemas.microsoft.com/office/drawing/2010/main" xmlns="" w="9525">
                 <a:solidFill>
                   <a:srgbClr val="000000"/>
                 </a:solidFill>

--- a/11_DT/Decision_Trees_4.28.21.pptx
+++ b/11_DT/Decision_Trees_4.28.21.pptx
@@ -8621,7 +8621,7 @@
             </a:r>
             <a:r>
               <a:rPr lang="en-US" dirty="0"/>
-              <a:t>. </a:t>
+              <a:t>. (helped by cross-validation) </a:t>
             </a:r>
           </a:p>
           <a:p>
@@ -8657,7 +8657,7 @@
             <a:pPr marL="0" indent="0">
               <a:buNone/>
             </a:pPr>
-            <a:endParaRPr lang="en-US" sz="1600" dirty="0"/>
+            <a:endParaRPr lang="en-US" sz="1050" dirty="0"/>
           </a:p>
           <a:p>
             <a:r>
@@ -9402,13 +9402,8 @@
             <a:pPr lvl="1"/>
             <a:r>
               <a:rPr lang="en-US" dirty="0"/>
-              <a:t> CART – Gini Index – Binary Trees – 10-fold </a:t>
-            </a:r>
-            <a:r>
-              <a:rPr lang="en-US"/>
-              <a:t>cross validation </a:t>
-            </a:r>
-            <a:endParaRPr lang="en-US" dirty="0"/>
+              <a:t> CART – Gini Index – Binary Trees – defaults to 10-fold cross validation</a:t>
+            </a:r>
           </a:p>
           <a:p>
             <a:pPr lvl="1"/>
@@ -9418,24 +9413,20 @@
             </a:r>
           </a:p>
           <a:p>
-            <a:pPr lvl="1"/>
+            <a:pPr lvl="2"/>
             <a:r>
               <a:rPr lang="en-US" dirty="0"/>
-              <a:t> C4.5 – Gains Ratio  – Introduced pruning (</a:t>
-            </a:r>
-            <a:r>
-              <a:rPr lang="en-US" dirty="0" err="1"/>
-              <a:t>Entrophy</a:t>
-            </a:r>
-            <a:r>
-              <a:rPr lang="en-US" dirty="0"/>
-              <a:t>)</a:t>
-            </a:r>
-          </a:p>
-          <a:p>
-            <a:pPr lvl="1"/>
-            <a:r>
-              <a:rPr lang="en-US" dirty="0"/>
+              <a:t> </a:t>
+            </a:r>
+            <a:r>
+              <a:rPr lang="en-US" sz="2400" dirty="0"/>
+              <a:t>C4.5 – Gains Ratio  – Introduced pruning (Entropy)</a:t>
+            </a:r>
+          </a:p>
+          <a:p>
+            <a:pPr lvl="2"/>
+            <a:r>
+              <a:rPr lang="en-US" sz="2400" dirty="0"/>
               <a:t> C5.0 – Improvement on C4.5 – Boosting, computationally efficient </a:t>
             </a:r>
           </a:p>
@@ -32023,8 +32014,8 @@
         </p:nvGrpSpPr>
         <p:grpSpPr>
           <a:xfrm>
-            <a:off x="2182176" y="731521"/>
-            <a:ext cx="8823962" cy="6010752"/>
+            <a:off x="1709271" y="731521"/>
+            <a:ext cx="9296867" cy="6010752"/>
             <a:chOff x="2182176" y="731521"/>
             <a:chExt cx="8823962" cy="6010752"/>
           </a:xfrm>
@@ -32204,27 +32195,27 @@
           <a:lstStyle/>
           <a:p>
             <a:r>
-              <a:rPr lang="en-US" sz="2600" dirty="0"/>
+              <a:rPr lang="en-US" dirty="0"/>
               <a:t> Overfitting – model becomes overly complex and as a result is predicting noise or the space between features (random error) instead of the true relationship. It is in theory possible to create a leaf node for every data point. </a:t>
             </a:r>
-            <a:endParaRPr lang="en-US" sz="2000" dirty="0"/>
-          </a:p>
-          <a:p>
-            <a:r>
-              <a:rPr lang="en-US" sz="2600" dirty="0"/>
+            <a:endParaRPr lang="en-US" sz="2400" dirty="0"/>
+          </a:p>
+          <a:p>
+            <a:r>
+              <a:rPr lang="en-US" dirty="0"/>
               <a:t> Ensemble methods – Process of running numerous models and codifying them using a decision rule to choose the optimal model result – example is majority vote on feature inclusion</a:t>
             </a:r>
-            <a:endParaRPr lang="en-US" sz="2000" dirty="0"/>
-          </a:p>
-          <a:p>
-            <a:r>
-              <a:rPr lang="en-US" sz="2600" dirty="0"/>
+            <a:endParaRPr lang="en-US" sz="2400" dirty="0"/>
+          </a:p>
+          <a:p>
+            <a:r>
+              <a:rPr lang="en-US" dirty="0"/>
               <a:t> Heuristic algorithms – approaches designed for operational efficiency generating an approximation to the ideal result but does not guarantee the best model</a:t>
             </a:r>
           </a:p>
           <a:p>
             <a:pPr lvl="1"/>
-            <a:endParaRPr lang="en-US" sz="2600" dirty="0"/>
+            <a:endParaRPr lang="en-US" sz="2800" dirty="0"/>
           </a:p>
         </p:txBody>
       </p:sp>
